--- a/lectures/old/KR-6-Max.pptx
+++ b/lectures/old/KR-6-Max.pptx
@@ -4,6 +4,9 @@
   <p:sldMasterIdLst>
     <p:sldMasterId id="2147483648" r:id="rId1"/>
   </p:sldMasterIdLst>
+  <p:notesMasterIdLst>
+    <p:notesMasterId r:id="rId49"/>
+  </p:notesMasterIdLst>
   <p:sldIdLst>
     <p:sldId id="256" r:id="rId2"/>
     <p:sldId id="289" r:id="rId3"/>
@@ -158,6 +161,439 @@
 </p:presentation>
 </file>
 
+<file path=ppt/notesMasters/notesMaster1.xml><?xml version="1.0" encoding="utf-8"?>
+<p:notesMaster xmlns:a="http://schemas.openxmlformats.org/drawingml/2006/main" xmlns:r="http://schemas.openxmlformats.org/officeDocument/2006/relationships" xmlns:p="http://schemas.openxmlformats.org/presentationml/2006/main">
+  <p:cSld>
+    <p:bg>
+      <p:bgRef idx="1001">
+        <a:schemeClr val="bg1"/>
+      </p:bgRef>
+    </p:bg>
+    <p:spTree>
+      <p:nvGrpSpPr>
+        <p:cNvPr id="1" name=""/>
+        <p:cNvGrpSpPr/>
+        <p:nvPr/>
+      </p:nvGrpSpPr>
+      <p:grpSpPr>
+        <a:xfrm>
+          <a:off x="0" y="0"/>
+          <a:ext cx="0" cy="0"/>
+          <a:chOff x="0" y="0"/>
+          <a:chExt cx="0" cy="0"/>
+        </a:xfrm>
+      </p:grpSpPr>
+      <p:sp>
+        <p:nvSpPr>
+          <p:cNvPr id="2" name="Header Placeholder 1"/>
+          <p:cNvSpPr>
+            <a:spLocks noGrp="1"/>
+          </p:cNvSpPr>
+          <p:nvPr>
+            <p:ph type="hdr" sz="quarter"/>
+          </p:nvPr>
+        </p:nvSpPr>
+        <p:spPr>
+          <a:xfrm>
+            <a:off x="0" y="0"/>
+            <a:ext cx="2971800" cy="458788"/>
+          </a:xfrm>
+          <a:prstGeom prst="rect">
+            <a:avLst/>
+          </a:prstGeom>
+        </p:spPr>
+        <p:txBody>
+          <a:bodyPr vert="horz" lIns="91440" tIns="45720" rIns="91440" bIns="45720" rtlCol="0"/>
+          <a:lstStyle>
+            <a:lvl1pPr algn="l">
+              <a:defRPr sz="1200"/>
+            </a:lvl1pPr>
+          </a:lstStyle>
+          <a:p>
+            <a:endParaRPr lang="en-US"/>
+          </a:p>
+        </p:txBody>
+      </p:sp>
+      <p:sp>
+        <p:nvSpPr>
+          <p:cNvPr id="3" name="Date Placeholder 2"/>
+          <p:cNvSpPr>
+            <a:spLocks noGrp="1"/>
+          </p:cNvSpPr>
+          <p:nvPr>
+            <p:ph type="dt" idx="1"/>
+          </p:nvPr>
+        </p:nvSpPr>
+        <p:spPr>
+          <a:xfrm>
+            <a:off x="3884613" y="0"/>
+            <a:ext cx="2971800" cy="458788"/>
+          </a:xfrm>
+          <a:prstGeom prst="rect">
+            <a:avLst/>
+          </a:prstGeom>
+        </p:spPr>
+        <p:txBody>
+          <a:bodyPr vert="horz" lIns="91440" tIns="45720" rIns="91440" bIns="45720" rtlCol="0"/>
+          <a:lstStyle>
+            <a:lvl1pPr algn="r">
+              <a:defRPr sz="1200"/>
+            </a:lvl1pPr>
+          </a:lstStyle>
+          <a:p>
+            <a:fld id="{4649DA63-EE37-B548-8435-3B914CF04F8F}" type="datetimeFigureOut">
+              <a:rPr lang="en-US" smtClean="0"/>
+              <a:t>2/23/23</a:t>
+            </a:fld>
+            <a:endParaRPr lang="en-US"/>
+          </a:p>
+        </p:txBody>
+      </p:sp>
+      <p:sp>
+        <p:nvSpPr>
+          <p:cNvPr id="4" name="Slide Image Placeholder 3"/>
+          <p:cNvSpPr>
+            <a:spLocks noGrp="1" noRot="1" noChangeAspect="1"/>
+          </p:cNvSpPr>
+          <p:nvPr>
+            <p:ph type="sldImg" idx="2"/>
+          </p:nvPr>
+        </p:nvSpPr>
+        <p:spPr>
+          <a:xfrm>
+            <a:off x="685800" y="1143000"/>
+            <a:ext cx="5486400" cy="3086100"/>
+          </a:xfrm>
+          <a:prstGeom prst="rect">
+            <a:avLst/>
+          </a:prstGeom>
+          <a:noFill/>
+          <a:ln w="12700">
+            <a:solidFill>
+              <a:prstClr val="black"/>
+            </a:solidFill>
+          </a:ln>
+        </p:spPr>
+        <p:txBody>
+          <a:bodyPr vert="horz" lIns="91440" tIns="45720" rIns="91440" bIns="45720" rtlCol="0" anchor="ctr"/>
+          <a:lstStyle/>
+          <a:p>
+            <a:endParaRPr lang="en-US"/>
+          </a:p>
+        </p:txBody>
+      </p:sp>
+      <p:sp>
+        <p:nvSpPr>
+          <p:cNvPr id="5" name="Notes Placeholder 4"/>
+          <p:cNvSpPr>
+            <a:spLocks noGrp="1"/>
+          </p:cNvSpPr>
+          <p:nvPr>
+            <p:ph type="body" sz="quarter" idx="3"/>
+          </p:nvPr>
+        </p:nvSpPr>
+        <p:spPr>
+          <a:xfrm>
+            <a:off x="685800" y="4400550"/>
+            <a:ext cx="5486400" cy="3600450"/>
+          </a:xfrm>
+          <a:prstGeom prst="rect">
+            <a:avLst/>
+          </a:prstGeom>
+        </p:spPr>
+        <p:txBody>
+          <a:bodyPr vert="horz" lIns="91440" tIns="45720" rIns="91440" bIns="45720" rtlCol="0"/>
+          <a:lstStyle/>
+          <a:p>
+            <a:pPr lvl="0"/>
+            <a:r>
+              <a:rPr lang="en-US"/>
+              <a:t>Click to edit Master text styles</a:t>
+            </a:r>
+          </a:p>
+          <a:p>
+            <a:pPr lvl="1"/>
+            <a:r>
+              <a:rPr lang="en-US"/>
+              <a:t>Second level</a:t>
+            </a:r>
+          </a:p>
+          <a:p>
+            <a:pPr lvl="2"/>
+            <a:r>
+              <a:rPr lang="en-US"/>
+              <a:t>Third level</a:t>
+            </a:r>
+          </a:p>
+          <a:p>
+            <a:pPr lvl="3"/>
+            <a:r>
+              <a:rPr lang="en-US"/>
+              <a:t>Fourth level</a:t>
+            </a:r>
+          </a:p>
+          <a:p>
+            <a:pPr lvl="4"/>
+            <a:r>
+              <a:rPr lang="en-US"/>
+              <a:t>Fifth level</a:t>
+            </a:r>
+          </a:p>
+        </p:txBody>
+      </p:sp>
+      <p:sp>
+        <p:nvSpPr>
+          <p:cNvPr id="6" name="Footer Placeholder 5"/>
+          <p:cNvSpPr>
+            <a:spLocks noGrp="1"/>
+          </p:cNvSpPr>
+          <p:nvPr>
+            <p:ph type="ftr" sz="quarter" idx="4"/>
+          </p:nvPr>
+        </p:nvSpPr>
+        <p:spPr>
+          <a:xfrm>
+            <a:off x="0" y="8685213"/>
+            <a:ext cx="2971800" cy="458787"/>
+          </a:xfrm>
+          <a:prstGeom prst="rect">
+            <a:avLst/>
+          </a:prstGeom>
+        </p:spPr>
+        <p:txBody>
+          <a:bodyPr vert="horz" lIns="91440" tIns="45720" rIns="91440" bIns="45720" rtlCol="0" anchor="b"/>
+          <a:lstStyle>
+            <a:lvl1pPr algn="l">
+              <a:defRPr sz="1200"/>
+            </a:lvl1pPr>
+          </a:lstStyle>
+          <a:p>
+            <a:endParaRPr lang="en-US"/>
+          </a:p>
+        </p:txBody>
+      </p:sp>
+      <p:sp>
+        <p:nvSpPr>
+          <p:cNvPr id="7" name="Slide Number Placeholder 6"/>
+          <p:cNvSpPr>
+            <a:spLocks noGrp="1"/>
+          </p:cNvSpPr>
+          <p:nvPr>
+            <p:ph type="sldNum" sz="quarter" idx="5"/>
+          </p:nvPr>
+        </p:nvSpPr>
+        <p:spPr>
+          <a:xfrm>
+            <a:off x="3884613" y="8685213"/>
+            <a:ext cx="2971800" cy="458787"/>
+          </a:xfrm>
+          <a:prstGeom prst="rect">
+            <a:avLst/>
+          </a:prstGeom>
+        </p:spPr>
+        <p:txBody>
+          <a:bodyPr vert="horz" lIns="91440" tIns="45720" rIns="91440" bIns="45720" rtlCol="0" anchor="b"/>
+          <a:lstStyle>
+            <a:lvl1pPr algn="r">
+              <a:defRPr sz="1200"/>
+            </a:lvl1pPr>
+          </a:lstStyle>
+          <a:p>
+            <a:fld id="{FB7E4B27-158B-1840-8CA3-211E21B1E2AB}" type="slidenum">
+              <a:rPr lang="en-US" smtClean="0"/>
+              <a:t>‹#›</a:t>
+            </a:fld>
+            <a:endParaRPr lang="en-US"/>
+          </a:p>
+        </p:txBody>
+      </p:sp>
+    </p:spTree>
+    <p:extLst>
+      <p:ext uri="{BB962C8B-B14F-4D97-AF65-F5344CB8AC3E}">
+        <p14:creationId xmlns:p14="http://schemas.microsoft.com/office/powerpoint/2010/main" val="2649704716"/>
+      </p:ext>
+    </p:extLst>
+  </p:cSld>
+  <p:clrMap bg1="lt1" tx1="dk1" bg2="lt2" tx2="dk2" accent1="accent1" accent2="accent2" accent3="accent3" accent4="accent4" accent5="accent5" accent6="accent6" hlink="hlink" folHlink="folHlink"/>
+  <p:notesStyle>
+    <a:lvl1pPr marL="0" algn="l" defTabSz="914400" rtl="0" eaLnBrk="1" latinLnBrk="0" hangingPunct="1">
+      <a:defRPr sz="1200" kern="1200">
+        <a:solidFill>
+          <a:schemeClr val="tx1"/>
+        </a:solidFill>
+        <a:latin typeface="+mn-lt"/>
+        <a:ea typeface="+mn-ea"/>
+        <a:cs typeface="+mn-cs"/>
+      </a:defRPr>
+    </a:lvl1pPr>
+    <a:lvl2pPr marL="457200" algn="l" defTabSz="914400" rtl="0" eaLnBrk="1" latinLnBrk="0" hangingPunct="1">
+      <a:defRPr sz="1200" kern="1200">
+        <a:solidFill>
+          <a:schemeClr val="tx1"/>
+        </a:solidFill>
+        <a:latin typeface="+mn-lt"/>
+        <a:ea typeface="+mn-ea"/>
+        <a:cs typeface="+mn-cs"/>
+      </a:defRPr>
+    </a:lvl2pPr>
+    <a:lvl3pPr marL="914400" algn="l" defTabSz="914400" rtl="0" eaLnBrk="1" latinLnBrk="0" hangingPunct="1">
+      <a:defRPr sz="1200" kern="1200">
+        <a:solidFill>
+          <a:schemeClr val="tx1"/>
+        </a:solidFill>
+        <a:latin typeface="+mn-lt"/>
+        <a:ea typeface="+mn-ea"/>
+        <a:cs typeface="+mn-cs"/>
+      </a:defRPr>
+    </a:lvl3pPr>
+    <a:lvl4pPr marL="1371600" algn="l" defTabSz="914400" rtl="0" eaLnBrk="1" latinLnBrk="0" hangingPunct="1">
+      <a:defRPr sz="1200" kern="1200">
+        <a:solidFill>
+          <a:schemeClr val="tx1"/>
+        </a:solidFill>
+        <a:latin typeface="+mn-lt"/>
+        <a:ea typeface="+mn-ea"/>
+        <a:cs typeface="+mn-cs"/>
+      </a:defRPr>
+    </a:lvl4pPr>
+    <a:lvl5pPr marL="1828800" algn="l" defTabSz="914400" rtl="0" eaLnBrk="1" latinLnBrk="0" hangingPunct="1">
+      <a:defRPr sz="1200" kern="1200">
+        <a:solidFill>
+          <a:schemeClr val="tx1"/>
+        </a:solidFill>
+        <a:latin typeface="+mn-lt"/>
+        <a:ea typeface="+mn-ea"/>
+        <a:cs typeface="+mn-cs"/>
+      </a:defRPr>
+    </a:lvl5pPr>
+    <a:lvl6pPr marL="2286000" algn="l" defTabSz="914400" rtl="0" eaLnBrk="1" latinLnBrk="0" hangingPunct="1">
+      <a:defRPr sz="1200" kern="1200">
+        <a:solidFill>
+          <a:schemeClr val="tx1"/>
+        </a:solidFill>
+        <a:latin typeface="+mn-lt"/>
+        <a:ea typeface="+mn-ea"/>
+        <a:cs typeface="+mn-cs"/>
+      </a:defRPr>
+    </a:lvl6pPr>
+    <a:lvl7pPr marL="2743200" algn="l" defTabSz="914400" rtl="0" eaLnBrk="1" latinLnBrk="0" hangingPunct="1">
+      <a:defRPr sz="1200" kern="1200">
+        <a:solidFill>
+          <a:schemeClr val="tx1"/>
+        </a:solidFill>
+        <a:latin typeface="+mn-lt"/>
+        <a:ea typeface="+mn-ea"/>
+        <a:cs typeface="+mn-cs"/>
+      </a:defRPr>
+    </a:lvl7pPr>
+    <a:lvl8pPr marL="3200400" algn="l" defTabSz="914400" rtl="0" eaLnBrk="1" latinLnBrk="0" hangingPunct="1">
+      <a:defRPr sz="1200" kern="1200">
+        <a:solidFill>
+          <a:schemeClr val="tx1"/>
+        </a:solidFill>
+        <a:latin typeface="+mn-lt"/>
+        <a:ea typeface="+mn-ea"/>
+        <a:cs typeface="+mn-cs"/>
+      </a:defRPr>
+    </a:lvl8pPr>
+    <a:lvl9pPr marL="3657600" algn="l" defTabSz="914400" rtl="0" eaLnBrk="1" latinLnBrk="0" hangingPunct="1">
+      <a:defRPr sz="1200" kern="1200">
+        <a:solidFill>
+          <a:schemeClr val="tx1"/>
+        </a:solidFill>
+        <a:latin typeface="+mn-lt"/>
+        <a:ea typeface="+mn-ea"/>
+        <a:cs typeface="+mn-cs"/>
+      </a:defRPr>
+    </a:lvl9pPr>
+  </p:notesStyle>
+</p:notesMaster>
+</file>
+
+<file path=ppt/notesSlides/notesSlide1.xml><?xml version="1.0" encoding="utf-8"?>
+<p:notes xmlns:a="http://schemas.openxmlformats.org/drawingml/2006/main" xmlns:r="http://schemas.openxmlformats.org/officeDocument/2006/relationships" xmlns:p="http://schemas.openxmlformats.org/presentationml/2006/main">
+  <p:cSld>
+    <p:spTree>
+      <p:nvGrpSpPr>
+        <p:cNvPr id="1" name=""/>
+        <p:cNvGrpSpPr/>
+        <p:nvPr/>
+      </p:nvGrpSpPr>
+      <p:grpSpPr>
+        <a:xfrm>
+          <a:off x="0" y="0"/>
+          <a:ext cx="0" cy="0"/>
+          <a:chOff x="0" y="0"/>
+          <a:chExt cx="0" cy="0"/>
+        </a:xfrm>
+      </p:grpSpPr>
+      <p:sp>
+        <p:nvSpPr>
+          <p:cNvPr id="2" name="Slide Image Placeholder 1"/>
+          <p:cNvSpPr>
+            <a:spLocks noGrp="1" noRot="1" noChangeAspect="1"/>
+          </p:cNvSpPr>
+          <p:nvPr>
+            <p:ph type="sldImg"/>
+          </p:nvPr>
+        </p:nvSpPr>
+        <p:spPr/>
+      </p:sp>
+      <p:sp>
+        <p:nvSpPr>
+          <p:cNvPr id="3" name="Notes Placeholder 2"/>
+          <p:cNvSpPr>
+            <a:spLocks noGrp="1"/>
+          </p:cNvSpPr>
+          <p:nvPr>
+            <p:ph type="body" idx="1"/>
+          </p:nvPr>
+        </p:nvSpPr>
+        <p:spPr/>
+        <p:txBody>
+          <a:bodyPr/>
+          <a:lstStyle/>
+          <a:p>
+            <a:endParaRPr lang="en-US" dirty="0"/>
+          </a:p>
+        </p:txBody>
+      </p:sp>
+      <p:sp>
+        <p:nvSpPr>
+          <p:cNvPr id="4" name="Slide Number Placeholder 3"/>
+          <p:cNvSpPr>
+            <a:spLocks noGrp="1"/>
+          </p:cNvSpPr>
+          <p:nvPr>
+            <p:ph type="sldNum" sz="quarter" idx="5"/>
+          </p:nvPr>
+        </p:nvSpPr>
+        <p:spPr/>
+        <p:txBody>
+          <a:bodyPr/>
+          <a:lstStyle/>
+          <a:p>
+            <a:fld id="{FB7E4B27-158B-1840-8CA3-211E21B1E2AB}" type="slidenum">
+              <a:rPr lang="en-US" smtClean="0"/>
+              <a:t>40</a:t>
+            </a:fld>
+            <a:endParaRPr lang="en-US"/>
+          </a:p>
+        </p:txBody>
+      </p:sp>
+    </p:spTree>
+    <p:extLst>
+      <p:ext uri="{BB962C8B-B14F-4D97-AF65-F5344CB8AC3E}">
+        <p14:creationId xmlns:p14="http://schemas.microsoft.com/office/powerpoint/2010/main" val="512442924"/>
+      </p:ext>
+    </p:extLst>
+  </p:cSld>
+  <p:clrMapOvr>
+    <a:masterClrMapping/>
+  </p:clrMapOvr>
+</p:notes>
+</file>
+
 <file path=ppt/slideLayouts/slideLayout1.xml><?xml version="1.0" encoding="utf-8"?>
 <p:sldLayout xmlns:a="http://schemas.openxmlformats.org/drawingml/2006/main" xmlns:r="http://schemas.openxmlformats.org/officeDocument/2006/relationships" xmlns:p="http://schemas.openxmlformats.org/presentationml/2006/main" type="title" preserve="1">
   <p:cSld name="Title Slide">
@@ -305,7 +741,7 @@
           <a:p>
             <a:fld id="{C13A938A-C9BA-0346-A74F-83EB1631032C}" type="datetimeFigureOut">
               <a:rPr lang="en-US" smtClean="0"/>
-              <a:t>2/22/23</a:t>
+              <a:t>2/23/23</a:t>
             </a:fld>
             <a:endParaRPr lang="en-US"/>
           </a:p>
@@ -503,7 +939,7 @@
           <a:p>
             <a:fld id="{C13A938A-C9BA-0346-A74F-83EB1631032C}" type="datetimeFigureOut">
               <a:rPr lang="en-US" smtClean="0"/>
-              <a:t>2/22/23</a:t>
+              <a:t>2/23/23</a:t>
             </a:fld>
             <a:endParaRPr lang="en-US"/>
           </a:p>
@@ -711,7 +1147,7 @@
           <a:p>
             <a:fld id="{C13A938A-C9BA-0346-A74F-83EB1631032C}" type="datetimeFigureOut">
               <a:rPr lang="en-US" smtClean="0"/>
-              <a:t>2/22/23</a:t>
+              <a:t>2/23/23</a:t>
             </a:fld>
             <a:endParaRPr lang="en-US"/>
           </a:p>
@@ -909,7 +1345,7 @@
           <a:p>
             <a:fld id="{C13A938A-C9BA-0346-A74F-83EB1631032C}" type="datetimeFigureOut">
               <a:rPr lang="en-US" smtClean="0"/>
-              <a:t>2/22/23</a:t>
+              <a:t>2/23/23</a:t>
             </a:fld>
             <a:endParaRPr lang="en-US"/>
           </a:p>
@@ -1184,7 +1620,7 @@
           <a:p>
             <a:fld id="{C13A938A-C9BA-0346-A74F-83EB1631032C}" type="datetimeFigureOut">
               <a:rPr lang="en-US" smtClean="0"/>
-              <a:t>2/22/23</a:t>
+              <a:t>2/23/23</a:t>
             </a:fld>
             <a:endParaRPr lang="en-US"/>
           </a:p>
@@ -1449,7 +1885,7 @@
           <a:p>
             <a:fld id="{C13A938A-C9BA-0346-A74F-83EB1631032C}" type="datetimeFigureOut">
               <a:rPr lang="en-US" smtClean="0"/>
-              <a:t>2/22/23</a:t>
+              <a:t>2/23/23</a:t>
             </a:fld>
             <a:endParaRPr lang="en-US"/>
           </a:p>
@@ -1861,7 +2297,7 @@
           <a:p>
             <a:fld id="{C13A938A-C9BA-0346-A74F-83EB1631032C}" type="datetimeFigureOut">
               <a:rPr lang="en-US" smtClean="0"/>
-              <a:t>2/22/23</a:t>
+              <a:t>2/23/23</a:t>
             </a:fld>
             <a:endParaRPr lang="en-US"/>
           </a:p>
@@ -2002,7 +2438,7 @@
           <a:p>
             <a:fld id="{C13A938A-C9BA-0346-A74F-83EB1631032C}" type="datetimeFigureOut">
               <a:rPr lang="en-US" smtClean="0"/>
-              <a:t>2/22/23</a:t>
+              <a:t>2/23/23</a:t>
             </a:fld>
             <a:endParaRPr lang="en-US"/>
           </a:p>
@@ -2115,7 +2551,7 @@
           <a:p>
             <a:fld id="{C13A938A-C9BA-0346-A74F-83EB1631032C}" type="datetimeFigureOut">
               <a:rPr lang="en-US" smtClean="0"/>
-              <a:t>2/22/23</a:t>
+              <a:t>2/23/23</a:t>
             </a:fld>
             <a:endParaRPr lang="en-US"/>
           </a:p>
@@ -2426,7 +2862,7 @@
           <a:p>
             <a:fld id="{C13A938A-C9BA-0346-A74F-83EB1631032C}" type="datetimeFigureOut">
               <a:rPr lang="en-US" smtClean="0"/>
-              <a:t>2/22/23</a:t>
+              <a:t>2/23/23</a:t>
             </a:fld>
             <a:endParaRPr lang="en-US"/>
           </a:p>
@@ -2714,7 +3150,7 @@
           <a:p>
             <a:fld id="{C13A938A-C9BA-0346-A74F-83EB1631032C}" type="datetimeFigureOut">
               <a:rPr lang="en-US" smtClean="0"/>
-              <a:t>2/22/23</a:t>
+              <a:t>2/23/23</a:t>
             </a:fld>
             <a:endParaRPr lang="en-US"/>
           </a:p>
@@ -2955,7 +3391,7 @@
           <a:p>
             <a:fld id="{C13A938A-C9BA-0346-A74F-83EB1631032C}" type="datetimeFigureOut">
               <a:rPr lang="en-US" smtClean="0"/>
-              <a:t>2/22/23</a:t>
+              <a:t>2/23/23</a:t>
             </a:fld>
             <a:endParaRPr lang="en-US"/>
           </a:p>
@@ -43486,11 +43922,13 @@
         <p:spPr>
           <a:xfrm>
             <a:off x="838199" y="1825625"/>
-            <a:ext cx="5948363" cy="1603375"/>
-          </a:xfrm>
-        </p:spPr>
-        <p:txBody>
-          <a:bodyPr/>
+            <a:ext cx="5948363" cy="1857027"/>
+          </a:xfrm>
+        </p:spPr>
+        <p:txBody>
+          <a:bodyPr>
+            <a:normAutofit fontScale="92500" lnSpcReduction="10000"/>
+          </a:bodyPr>
           <a:lstStyle/>
           <a:p>
             <a:r>
@@ -43498,6 +43936,20 @@
               <a:t>Using a struct with small unsigned integers we can allocate, arrange, and pack values as small as a single bit</a:t>
             </a:r>
           </a:p>
+          <a:p>
+            <a:pPr lvl="1"/>
+            <a:r>
+              <a:rPr lang="en-US" dirty="0"/>
+              <a:t>Big endian – High to low layout</a:t>
+            </a:r>
+          </a:p>
+          <a:p>
+            <a:pPr lvl="1"/>
+            <a:r>
+              <a:rPr lang="en-US" dirty="0"/>
+              <a:t>Little endian – Low to high layout</a:t>
+            </a:r>
+          </a:p>
         </p:txBody>
       </p:sp>
       <p:sp>
@@ -43515,7 +43967,7 @@
         <p:spPr>
           <a:xfrm>
             <a:off x="7303337" y="1554162"/>
-            <a:ext cx="4134465" cy="4524315"/>
+            <a:ext cx="3764172" cy="4524315"/>
           </a:xfrm>
           <a:prstGeom prst="rect">
             <a:avLst/>
@@ -43583,16 +44035,16 @@
                 <a:latin typeface="Courier New" panose="02070309020205020404" pitchFamily="49" charset="0"/>
                 <a:cs typeface="Courier New" panose="02070309020205020404" pitchFamily="49" charset="0"/>
               </a:rPr>
+              <a:t>            unsigned low : 6;</a:t>
+            </a:r>
+          </a:p>
+          <a:p>
+            <a:r>
+              <a:rPr lang="en-US" sz="1600" b="1" dirty="0">
+                <a:latin typeface="Courier New" panose="02070309020205020404" pitchFamily="49" charset="0"/>
+                <a:cs typeface="Courier New" panose="02070309020205020404" pitchFamily="49" charset="0"/>
+              </a:rPr>
               <a:t>            unsigned top : 2;</a:t>
-            </a:r>
-          </a:p>
-          <a:p>
-            <a:r>
-              <a:rPr lang="en-US" sz="1600" b="1" dirty="0">
-                <a:latin typeface="Courier New" panose="02070309020205020404" pitchFamily="49" charset="0"/>
-                <a:cs typeface="Courier New" panose="02070309020205020404" pitchFamily="49" charset="0"/>
-              </a:rPr>
-              <a:t>            unsigned bottom : 6;</a:t>
             </a:r>
           </a:p>
           <a:p>
@@ -43668,7 +44120,7 @@
                 <a:latin typeface="Courier New" panose="02070309020205020404" pitchFamily="49" charset="0"/>
                 <a:cs typeface="Courier New" panose="02070309020205020404" pitchFamily="49" charset="0"/>
               </a:rPr>
-              <a:t> = 0xF3;</a:t>
+              <a:t> = 0xF1;</a:t>
             </a:r>
           </a:p>
           <a:p>
@@ -43759,15 +44211,26 @@
                 <a:latin typeface="Courier New" panose="02070309020205020404" pitchFamily="49" charset="0"/>
                 <a:cs typeface="Courier New" panose="02070309020205020404" pitchFamily="49" charset="0"/>
               </a:rPr>
-              <a:t>inst.parts.bottom</a:t>
-            </a:r>
-            <a:r>
-              <a:rPr lang="en-US" sz="1600" b="1" dirty="0">
-                <a:latin typeface="Courier New" panose="02070309020205020404" pitchFamily="49" charset="0"/>
-                <a:cs typeface="Courier New" panose="02070309020205020404" pitchFamily="49" charset="0"/>
-              </a:rPr>
-              <a:t>);</a:t>
-            </a:r>
+              <a:t>inst.</a:t>
+            </a:r>
+            <a:r>
+              <a:rPr lang="en-US" sz="1600" b="1" err="1">
+                <a:latin typeface="Courier New" panose="02070309020205020404" pitchFamily="49" charset="0"/>
+                <a:cs typeface="Courier New" panose="02070309020205020404" pitchFamily="49" charset="0"/>
+              </a:rPr>
+              <a:t>parts</a:t>
+            </a:r>
+            <a:r>
+              <a:rPr lang="en-US" sz="1600" b="1">
+                <a:latin typeface="Courier New" panose="02070309020205020404" pitchFamily="49" charset="0"/>
+                <a:cs typeface="Courier New" panose="02070309020205020404" pitchFamily="49" charset="0"/>
+              </a:rPr>
+              <a:t>.low);</a:t>
+            </a:r>
+            <a:endParaRPr lang="en-US" sz="1600" b="1" dirty="0">
+              <a:latin typeface="Courier New" panose="02070309020205020404" pitchFamily="49" charset="0"/>
+              <a:cs typeface="Courier New" panose="02070309020205020404" pitchFamily="49" charset="0"/>
+            </a:endParaRPr>
           </a:p>
           <a:p>
             <a:r>
@@ -43815,7 +44278,7 @@
                 </a:solidFill>
                 <a:latin typeface="Menlo" panose="020B0609030804020204" pitchFamily="49" charset="0"/>
               </a:rPr>
-              <a:t>kr_06_10.c</a:t>
+              <a:t>kr_06_11.c</a:t>
             </a:r>
           </a:p>
         </p:txBody>
@@ -43834,7 +44297,7 @@
         </p:nvSpPr>
         <p:spPr>
           <a:xfrm>
-            <a:off x="1968102" y="4001294"/>
+            <a:off x="1339452" y="4241324"/>
             <a:ext cx="4417219" cy="584775"/>
           </a:xfrm>
           <a:prstGeom prst="rect">
@@ -43853,7 +44316,7 @@
                 <a:latin typeface="Courier New" panose="02070309020205020404" pitchFamily="49" charset="0"/>
                 <a:cs typeface="Courier New" panose="02070309020205020404" pitchFamily="49" charset="0"/>
               </a:rPr>
-              <a:t>11110011 3 3c</a:t>
+              <a:t>11110001 3 31</a:t>
             </a:r>
             <a:endParaRPr lang="en-US" sz="3200" b="1" dirty="0">
               <a:solidFill>
@@ -43879,7 +44342,7 @@
         </p:nvSpPr>
         <p:spPr>
           <a:xfrm>
-            <a:off x="1939526" y="4001294"/>
+            <a:off x="1310876" y="4241324"/>
             <a:ext cx="603648" cy="584775"/>
           </a:xfrm>
           <a:prstGeom prst="rect">
@@ -43926,7 +44389,7 @@
         </p:nvSpPr>
         <p:spPr>
           <a:xfrm>
-            <a:off x="2557460" y="3997325"/>
+            <a:off x="1928810" y="4237355"/>
             <a:ext cx="1471615" cy="584775"/>
           </a:xfrm>
           <a:prstGeom prst="rect">
@@ -43959,6 +44422,295 @@
           </a:p>
         </p:txBody>
       </p:sp>
+      <p:sp>
+        <p:nvSpPr>
+          <p:cNvPr id="9" name="TextBox 8">
+            <a:extLst>
+              <a:ext uri="{FF2B5EF4-FFF2-40B4-BE49-F238E27FC236}">
+                <a16:creationId xmlns:a16="http://schemas.microsoft.com/office/drawing/2014/main" id="{3B35C830-13D6-8F25-FAEB-EE5CBEDB1CE5}"/>
+              </a:ext>
+            </a:extLst>
+          </p:cNvPr>
+          <p:cNvSpPr txBox="1"/>
+          <p:nvPr/>
+        </p:nvSpPr>
+        <p:spPr>
+          <a:xfrm>
+            <a:off x="1310876" y="3816319"/>
+            <a:ext cx="1890261" cy="369332"/>
+          </a:xfrm>
+          <a:prstGeom prst="rect">
+            <a:avLst/>
+          </a:prstGeom>
+          <a:noFill/>
+        </p:spPr>
+        <p:txBody>
+          <a:bodyPr wrap="none" rtlCol="0">
+            <a:spAutoFit/>
+          </a:bodyPr>
+          <a:lstStyle/>
+          <a:p>
+            <a:r>
+              <a:rPr lang="en-US" dirty="0"/>
+              <a:t>Big Endian Output</a:t>
+            </a:r>
+          </a:p>
+        </p:txBody>
+      </p:sp>
+      <p:sp>
+        <p:nvSpPr>
+          <p:cNvPr id="13" name="TextBox 12">
+            <a:extLst>
+              <a:ext uri="{FF2B5EF4-FFF2-40B4-BE49-F238E27FC236}">
+                <a16:creationId xmlns:a16="http://schemas.microsoft.com/office/drawing/2014/main" id="{B739F214-E8F2-93D0-464B-24A03BAA22B2}"/>
+              </a:ext>
+            </a:extLst>
+          </p:cNvPr>
+          <p:cNvSpPr txBox="1"/>
+          <p:nvPr/>
+        </p:nvSpPr>
+        <p:spPr>
+          <a:xfrm>
+            <a:off x="1331832" y="5568870"/>
+            <a:ext cx="4417219" cy="584775"/>
+          </a:xfrm>
+          <a:prstGeom prst="rect">
+            <a:avLst/>
+          </a:prstGeom>
+          <a:noFill/>
+        </p:spPr>
+        <p:txBody>
+          <a:bodyPr wrap="square">
+            <a:spAutoFit/>
+          </a:bodyPr>
+          <a:lstStyle/>
+          <a:p>
+            <a:r>
+              <a:rPr lang="en-US" sz="3200" b="1" dirty="0">
+                <a:latin typeface="Courier New" panose="02070309020205020404" pitchFamily="49" charset="0"/>
+                <a:cs typeface="Courier New" panose="02070309020205020404" pitchFamily="49" charset="0"/>
+              </a:rPr>
+              <a:t>10001111 3 31</a:t>
+            </a:r>
+            <a:endParaRPr lang="en-US" sz="3200" b="1" dirty="0">
+              <a:solidFill>
+                <a:srgbClr val="FF0000"/>
+              </a:solidFill>
+              <a:latin typeface="Courier New" panose="02070309020205020404" pitchFamily="49" charset="0"/>
+              <a:cs typeface="Courier New" panose="02070309020205020404" pitchFamily="49" charset="0"/>
+            </a:endParaRPr>
+          </a:p>
+        </p:txBody>
+      </p:sp>
+      <p:sp>
+        <p:nvSpPr>
+          <p:cNvPr id="14" name="Rectangle 13">
+            <a:extLst>
+              <a:ext uri="{FF2B5EF4-FFF2-40B4-BE49-F238E27FC236}">
+                <a16:creationId xmlns:a16="http://schemas.microsoft.com/office/drawing/2014/main" id="{967874B6-F85C-2F13-D790-3CB786DD8959}"/>
+              </a:ext>
+            </a:extLst>
+          </p:cNvPr>
+          <p:cNvSpPr/>
+          <p:nvPr/>
+        </p:nvSpPr>
+        <p:spPr>
+          <a:xfrm>
+            <a:off x="2891789" y="5568870"/>
+            <a:ext cx="508635" cy="584775"/>
+          </a:xfrm>
+          <a:prstGeom prst="rect">
+            <a:avLst/>
+          </a:prstGeom>
+          <a:noFill/>
+        </p:spPr>
+        <p:style>
+          <a:lnRef idx="2">
+            <a:schemeClr val="accent1">
+              <a:shade val="50000"/>
+            </a:schemeClr>
+          </a:lnRef>
+          <a:fillRef idx="1">
+            <a:schemeClr val="accent1"/>
+          </a:fillRef>
+          <a:effectRef idx="0">
+            <a:schemeClr val="accent1"/>
+          </a:effectRef>
+          <a:fontRef idx="minor">
+            <a:schemeClr val="lt1"/>
+          </a:fontRef>
+        </p:style>
+        <p:txBody>
+          <a:bodyPr rtlCol="0" anchor="ctr"/>
+          <a:lstStyle/>
+          <a:p>
+            <a:pPr algn="ctr"/>
+            <a:endParaRPr lang="en-US"/>
+          </a:p>
+        </p:txBody>
+      </p:sp>
+      <p:sp>
+        <p:nvSpPr>
+          <p:cNvPr id="15" name="Rectangle 14">
+            <a:extLst>
+              <a:ext uri="{FF2B5EF4-FFF2-40B4-BE49-F238E27FC236}">
+                <a16:creationId xmlns:a16="http://schemas.microsoft.com/office/drawing/2014/main" id="{DAA9FAC7-B533-756A-82BC-173842B6BCF0}"/>
+              </a:ext>
+            </a:extLst>
+          </p:cNvPr>
+          <p:cNvSpPr/>
+          <p:nvPr/>
+        </p:nvSpPr>
+        <p:spPr>
+          <a:xfrm>
+            <a:off x="1420174" y="5568870"/>
+            <a:ext cx="1471615" cy="584775"/>
+          </a:xfrm>
+          <a:prstGeom prst="rect">
+            <a:avLst/>
+          </a:prstGeom>
+          <a:noFill/>
+        </p:spPr>
+        <p:style>
+          <a:lnRef idx="2">
+            <a:schemeClr val="accent1">
+              <a:shade val="50000"/>
+            </a:schemeClr>
+          </a:lnRef>
+          <a:fillRef idx="1">
+            <a:schemeClr val="accent1"/>
+          </a:fillRef>
+          <a:effectRef idx="0">
+            <a:schemeClr val="accent1"/>
+          </a:effectRef>
+          <a:fontRef idx="minor">
+            <a:schemeClr val="lt1"/>
+          </a:fontRef>
+        </p:style>
+        <p:txBody>
+          <a:bodyPr rtlCol="0" anchor="ctr"/>
+          <a:lstStyle/>
+          <a:p>
+            <a:pPr algn="ctr"/>
+            <a:endParaRPr lang="en-US"/>
+          </a:p>
+        </p:txBody>
+      </p:sp>
+      <p:sp>
+        <p:nvSpPr>
+          <p:cNvPr id="16" name="TextBox 15">
+            <a:extLst>
+              <a:ext uri="{FF2B5EF4-FFF2-40B4-BE49-F238E27FC236}">
+                <a16:creationId xmlns:a16="http://schemas.microsoft.com/office/drawing/2014/main" id="{E033F9B8-82EF-166E-A2B3-E55DE0425578}"/>
+              </a:ext>
+            </a:extLst>
+          </p:cNvPr>
+          <p:cNvSpPr txBox="1"/>
+          <p:nvPr/>
+        </p:nvSpPr>
+        <p:spPr>
+          <a:xfrm>
+            <a:off x="1303256" y="5134579"/>
+            <a:ext cx="2072940" cy="369332"/>
+          </a:xfrm>
+          <a:prstGeom prst="rect">
+            <a:avLst/>
+          </a:prstGeom>
+          <a:noFill/>
+        </p:spPr>
+        <p:txBody>
+          <a:bodyPr wrap="none" rtlCol="0">
+            <a:spAutoFit/>
+          </a:bodyPr>
+          <a:lstStyle/>
+          <a:p>
+            <a:r>
+              <a:rPr lang="en-US" dirty="0"/>
+              <a:t>Little Endian Output</a:t>
+            </a:r>
+          </a:p>
+        </p:txBody>
+      </p:sp>
+      <p:cxnSp>
+        <p:nvCxnSpPr>
+          <p:cNvPr id="18" name="Straight Arrow Connector 17">
+            <a:extLst>
+              <a:ext uri="{FF2B5EF4-FFF2-40B4-BE49-F238E27FC236}">
+                <a16:creationId xmlns:a16="http://schemas.microsoft.com/office/drawing/2014/main" id="{11385310-96B4-D2BB-D43E-31DAD30278CA}"/>
+              </a:ext>
+            </a:extLst>
+          </p:cNvPr>
+          <p:cNvCxnSpPr/>
+          <p:nvPr/>
+        </p:nvCxnSpPr>
+        <p:spPr>
+          <a:xfrm flipH="1">
+            <a:off x="1420174" y="6338986"/>
+            <a:ext cx="1956022" cy="0"/>
+          </a:xfrm>
+          <a:prstGeom prst="straightConnector1">
+            <a:avLst/>
+          </a:prstGeom>
+          <a:ln w="38100">
+            <a:tailEnd type="triangle"/>
+          </a:ln>
+        </p:spPr>
+        <p:style>
+          <a:lnRef idx="1">
+            <a:schemeClr val="accent1"/>
+          </a:lnRef>
+          <a:fillRef idx="0">
+            <a:schemeClr val="accent1"/>
+          </a:fillRef>
+          <a:effectRef idx="0">
+            <a:schemeClr val="accent1"/>
+          </a:effectRef>
+          <a:fontRef idx="minor">
+            <a:schemeClr val="tx1"/>
+          </a:fontRef>
+        </p:style>
+      </p:cxnSp>
+      <p:cxnSp>
+        <p:nvCxnSpPr>
+          <p:cNvPr id="19" name="Straight Arrow Connector 18">
+            <a:extLst>
+              <a:ext uri="{FF2B5EF4-FFF2-40B4-BE49-F238E27FC236}">
+                <a16:creationId xmlns:a16="http://schemas.microsoft.com/office/drawing/2014/main" id="{933AF1A0-E298-461F-925C-F8C075349624}"/>
+              </a:ext>
+            </a:extLst>
+          </p:cNvPr>
+          <p:cNvCxnSpPr>
+            <a:cxnSpLocks/>
+          </p:cNvCxnSpPr>
+          <p:nvPr/>
+        </p:nvCxnSpPr>
+        <p:spPr>
+          <a:xfrm>
+            <a:off x="1361715" y="4959766"/>
+            <a:ext cx="1956022" cy="0"/>
+          </a:xfrm>
+          <a:prstGeom prst="straightConnector1">
+            <a:avLst/>
+          </a:prstGeom>
+          <a:ln w="38100">
+            <a:tailEnd type="triangle"/>
+          </a:ln>
+        </p:spPr>
+        <p:style>
+          <a:lnRef idx="1">
+            <a:schemeClr val="accent1"/>
+          </a:lnRef>
+          <a:fillRef idx="0">
+            <a:schemeClr val="accent1"/>
+          </a:fillRef>
+          <a:effectRef idx="0">
+            <a:schemeClr val="accent1"/>
+          </a:effectRef>
+          <a:fontRef idx="minor">
+            <a:schemeClr val="tx1"/>
+          </a:fontRef>
+        </p:style>
+      </p:cxnSp>
     </p:spTree>
     <p:extLst>
       <p:ext uri="{BB962C8B-B14F-4D97-AF65-F5344CB8AC3E}">
@@ -47055,7 +47807,7 @@
         </p:nvSpPr>
         <p:spPr>
           <a:xfrm>
-            <a:off x="1440502" y="2060020"/>
+            <a:off x="1440502" y="2025730"/>
             <a:ext cx="869632" cy="484094"/>
           </a:xfrm>
           <a:prstGeom prst="rect">
@@ -47107,8 +47859,8 @@
         </p:nvSpPr>
         <p:spPr>
           <a:xfrm>
-            <a:off x="2555057" y="1441403"/>
-            <a:ext cx="914033" cy="584775"/>
+            <a:off x="1743042" y="1396605"/>
+            <a:ext cx="3046027" cy="584775"/>
           </a:xfrm>
           <a:prstGeom prst="rect">
             <a:avLst/>
@@ -47123,7 +47875,7 @@
           <a:p>
             <a:r>
               <a:rPr lang="en-US" sz="3200" dirty="0"/>
-              <a:t>char</a:t>
+              <a:t>char (big endian)</a:t>
             </a:r>
           </a:p>
         </p:txBody>
@@ -47142,7 +47894,7 @@
         </p:nvSpPr>
         <p:spPr>
           <a:xfrm>
-            <a:off x="1378197" y="2728780"/>
+            <a:off x="1362945" y="2779825"/>
             <a:ext cx="994183" cy="369332"/>
           </a:xfrm>
           <a:prstGeom prst="rect">
@@ -47177,7 +47929,7 @@
         </p:nvSpPr>
         <p:spPr>
           <a:xfrm>
-            <a:off x="1502748" y="3378314"/>
+            <a:off x="1432561" y="3362381"/>
             <a:ext cx="434845" cy="369333"/>
           </a:xfrm>
           <a:prstGeom prst="rect">
@@ -47231,7 +47983,7 @@
         </p:nvSpPr>
         <p:spPr>
           <a:xfrm>
-            <a:off x="1937535" y="3378314"/>
+            <a:off x="1867348" y="3362381"/>
             <a:ext cx="434845" cy="369333"/>
           </a:xfrm>
           <a:prstGeom prst="rect">
@@ -47285,7 +48037,7 @@
         </p:nvSpPr>
         <p:spPr>
           <a:xfrm>
-            <a:off x="1502748" y="3983358"/>
+            <a:off x="1432561" y="3967425"/>
             <a:ext cx="434845" cy="369333"/>
           </a:xfrm>
           <a:prstGeom prst="rect">
@@ -47339,7 +48091,7 @@
         </p:nvSpPr>
         <p:spPr>
           <a:xfrm>
-            <a:off x="1937535" y="3983358"/>
+            <a:off x="1867348" y="3967425"/>
             <a:ext cx="434845" cy="369333"/>
           </a:xfrm>
           <a:prstGeom prst="rect">
@@ -47393,7 +48145,7 @@
         </p:nvSpPr>
         <p:spPr>
           <a:xfrm>
-            <a:off x="1525620" y="4537486"/>
+            <a:off x="1455433" y="4521553"/>
             <a:ext cx="434845" cy="369333"/>
           </a:xfrm>
           <a:prstGeom prst="rect">
@@ -47447,7 +48199,7 @@
         </p:nvSpPr>
         <p:spPr>
           <a:xfrm>
-            <a:off x="1960407" y="4537486"/>
+            <a:off x="1890220" y="4521553"/>
             <a:ext cx="434845" cy="369333"/>
           </a:xfrm>
           <a:prstGeom prst="rect">
@@ -47501,7 +48253,7 @@
         </p:nvSpPr>
         <p:spPr>
           <a:xfrm>
-            <a:off x="1525620" y="5091484"/>
+            <a:off x="1455433" y="5075551"/>
             <a:ext cx="434845" cy="369333"/>
           </a:xfrm>
           <a:prstGeom prst="rect">
@@ -47555,7 +48307,7 @@
         </p:nvSpPr>
         <p:spPr>
           <a:xfrm>
-            <a:off x="1960407" y="5091484"/>
+            <a:off x="1890220" y="5075551"/>
             <a:ext cx="434845" cy="369333"/>
           </a:xfrm>
           <a:prstGeom prst="rect">
@@ -47609,7 +48361,7 @@
         </p:nvSpPr>
         <p:spPr>
           <a:xfrm>
-            <a:off x="2706649" y="3378314"/>
+            <a:off x="2636462" y="3362381"/>
             <a:ext cx="2321789" cy="369332"/>
           </a:xfrm>
           <a:prstGeom prst="rect">
@@ -47644,7 +48396,7 @@
         </p:nvSpPr>
         <p:spPr>
           <a:xfrm>
-            <a:off x="2706649" y="3983358"/>
+            <a:off x="2636462" y="3967425"/>
             <a:ext cx="2321789" cy="369332"/>
           </a:xfrm>
           <a:prstGeom prst="rect">
@@ -47679,7 +48431,7 @@
         </p:nvSpPr>
         <p:spPr>
           <a:xfrm>
-            <a:off x="2706649" y="5091484"/>
+            <a:off x="2636462" y="5075551"/>
             <a:ext cx="1442511" cy="369332"/>
           </a:xfrm>
           <a:prstGeom prst="rect">
@@ -47714,7 +48466,7 @@
         </p:nvSpPr>
         <p:spPr>
           <a:xfrm>
-            <a:off x="2706649" y="4537486"/>
+            <a:off x="2636462" y="4521553"/>
             <a:ext cx="1522596" cy="369332"/>
           </a:xfrm>
           <a:prstGeom prst="rect">
@@ -52658,4 +53410,299 @@
     </a:ext>
   </a:extLst>
 </a:theme>
+</file>
+
+<file path=ppt/theme/theme2.xml><?xml version="1.0" encoding="utf-8"?>
+<a:theme xmlns:a="http://schemas.openxmlformats.org/drawingml/2006/main" name="Office Theme">
+  <a:themeElements>
+    <a:clrScheme name="Office">
+      <a:dk1>
+        <a:sysClr val="windowText" lastClr="000000"/>
+      </a:dk1>
+      <a:lt1>
+        <a:sysClr val="window" lastClr="FFFFFF"/>
+      </a:lt1>
+      <a:dk2>
+        <a:srgbClr val="44546A"/>
+      </a:dk2>
+      <a:lt2>
+        <a:srgbClr val="E7E6E6"/>
+      </a:lt2>
+      <a:accent1>
+        <a:srgbClr val="4472C4"/>
+      </a:accent1>
+      <a:accent2>
+        <a:srgbClr val="ED7D31"/>
+      </a:accent2>
+      <a:accent3>
+        <a:srgbClr val="A5A5A5"/>
+      </a:accent3>
+      <a:accent4>
+        <a:srgbClr val="FFC000"/>
+      </a:accent4>
+      <a:accent5>
+        <a:srgbClr val="5B9BD5"/>
+      </a:accent5>
+      <a:accent6>
+        <a:srgbClr val="70AD47"/>
+      </a:accent6>
+      <a:hlink>
+        <a:srgbClr val="0563C1"/>
+      </a:hlink>
+      <a:folHlink>
+        <a:srgbClr val="954F72"/>
+      </a:folHlink>
+    </a:clrScheme>
+    <a:fontScheme name="Office">
+      <a:majorFont>
+        <a:latin typeface="Calibri Light" panose="020F0302020204030204"/>
+        <a:ea typeface=""/>
+        <a:cs typeface=""/>
+        <a:font script="Jpan" typeface="游ゴシック Light"/>
+        <a:font script="Hang" typeface="맑은 고딕"/>
+        <a:font script="Hans" typeface="等线 Light"/>
+        <a:font script="Hant" typeface="新細明體"/>
+        <a:font script="Arab" typeface="Times New Roman"/>
+        <a:font script="Hebr" typeface="Times New Roman"/>
+        <a:font script="Thai" typeface="Angsana New"/>
+        <a:font script="Ethi" typeface="Nyala"/>
+        <a:font script="Beng" typeface="Vrinda"/>
+        <a:font script="Gujr" typeface="Shruti"/>
+        <a:font script="Khmr" typeface="MoolBoran"/>
+        <a:font script="Knda" typeface="Tunga"/>
+        <a:font script="Guru" typeface="Raavi"/>
+        <a:font script="Cans" typeface="Euphemia"/>
+        <a:font script="Cher" typeface="Plantagenet Cherokee"/>
+        <a:font script="Yiii" typeface="Microsoft Yi Baiti"/>
+        <a:font script="Tibt" typeface="Microsoft Himalaya"/>
+        <a:font script="Thaa" typeface="MV Boli"/>
+        <a:font script="Deva" typeface="Mangal"/>
+        <a:font script="Telu" typeface="Gautami"/>
+        <a:font script="Taml" typeface="Latha"/>
+        <a:font script="Syrc" typeface="Estrangelo Edessa"/>
+        <a:font script="Orya" typeface="Kalinga"/>
+        <a:font script="Mlym" typeface="Kartika"/>
+        <a:font script="Laoo" typeface="DokChampa"/>
+        <a:font script="Sinh" typeface="Iskoola Pota"/>
+        <a:font script="Mong" typeface="Mongolian Baiti"/>
+        <a:font script="Viet" typeface="Times New Roman"/>
+        <a:font script="Uigh" typeface="Microsoft Uighur"/>
+        <a:font script="Geor" typeface="Sylfaen"/>
+        <a:font script="Armn" typeface="Arial"/>
+        <a:font script="Bugi" typeface="Leelawadee UI"/>
+        <a:font script="Bopo" typeface="Microsoft JhengHei"/>
+        <a:font script="Java" typeface="Javanese Text"/>
+        <a:font script="Lisu" typeface="Segoe UI"/>
+        <a:font script="Mymr" typeface="Myanmar Text"/>
+        <a:font script="Nkoo" typeface="Ebrima"/>
+        <a:font script="Olck" typeface="Nirmala UI"/>
+        <a:font script="Osma" typeface="Ebrima"/>
+        <a:font script="Phag" typeface="Phagspa"/>
+        <a:font script="Syrn" typeface="Estrangelo Edessa"/>
+        <a:font script="Syrj" typeface="Estrangelo Edessa"/>
+        <a:font script="Syre" typeface="Estrangelo Edessa"/>
+        <a:font script="Sora" typeface="Nirmala UI"/>
+        <a:font script="Tale" typeface="Microsoft Tai Le"/>
+        <a:font script="Talu" typeface="Microsoft New Tai Lue"/>
+        <a:font script="Tfng" typeface="Ebrima"/>
+      </a:majorFont>
+      <a:minorFont>
+        <a:latin typeface="Calibri" panose="020F0502020204030204"/>
+        <a:ea typeface=""/>
+        <a:cs typeface=""/>
+        <a:font script="Jpan" typeface="游ゴシック"/>
+        <a:font script="Hang" typeface="맑은 고딕"/>
+        <a:font script="Hans" typeface="等线"/>
+        <a:font script="Hant" typeface="新細明體"/>
+        <a:font script="Arab" typeface="Arial"/>
+        <a:font script="Hebr" typeface="Arial"/>
+        <a:font script="Thai" typeface="Cordia New"/>
+        <a:font script="Ethi" typeface="Nyala"/>
+        <a:font script="Beng" typeface="Vrinda"/>
+        <a:font script="Gujr" typeface="Shruti"/>
+        <a:font script="Khmr" typeface="DaunPenh"/>
+        <a:font script="Knda" typeface="Tunga"/>
+        <a:font script="Guru" typeface="Raavi"/>
+        <a:font script="Cans" typeface="Euphemia"/>
+        <a:font script="Cher" typeface="Plantagenet Cherokee"/>
+        <a:font script="Yiii" typeface="Microsoft Yi Baiti"/>
+        <a:font script="Tibt" typeface="Microsoft Himalaya"/>
+        <a:font script="Thaa" typeface="MV Boli"/>
+        <a:font script="Deva" typeface="Mangal"/>
+        <a:font script="Telu" typeface="Gautami"/>
+        <a:font script="Taml" typeface="Latha"/>
+        <a:font script="Syrc" typeface="Estrangelo Edessa"/>
+        <a:font script="Orya" typeface="Kalinga"/>
+        <a:font script="Mlym" typeface="Kartika"/>
+        <a:font script="Laoo" typeface="DokChampa"/>
+        <a:font script="Sinh" typeface="Iskoola Pota"/>
+        <a:font script="Mong" typeface="Mongolian Baiti"/>
+        <a:font script="Viet" typeface="Arial"/>
+        <a:font script="Uigh" typeface="Microsoft Uighur"/>
+        <a:font script="Geor" typeface="Sylfaen"/>
+        <a:font script="Armn" typeface="Arial"/>
+        <a:font script="Bugi" typeface="Leelawadee UI"/>
+        <a:font script="Bopo" typeface="Microsoft JhengHei"/>
+        <a:font script="Java" typeface="Javanese Text"/>
+        <a:font script="Lisu" typeface="Segoe UI"/>
+        <a:font script="Mymr" typeface="Myanmar Text"/>
+        <a:font script="Nkoo" typeface="Ebrima"/>
+        <a:font script="Olck" typeface="Nirmala UI"/>
+        <a:font script="Osma" typeface="Ebrima"/>
+        <a:font script="Phag" typeface="Phagspa"/>
+        <a:font script="Syrn" typeface="Estrangelo Edessa"/>
+        <a:font script="Syrj" typeface="Estrangelo Edessa"/>
+        <a:font script="Syre" typeface="Estrangelo Edessa"/>
+        <a:font script="Sora" typeface="Nirmala UI"/>
+        <a:font script="Tale" typeface="Microsoft Tai Le"/>
+        <a:font script="Talu" typeface="Microsoft New Tai Lue"/>
+        <a:font script="Tfng" typeface="Ebrima"/>
+      </a:minorFont>
+    </a:fontScheme>
+    <a:fmtScheme name="Office">
+      <a:fillStyleLst>
+        <a:solidFill>
+          <a:schemeClr val="phClr"/>
+        </a:solidFill>
+        <a:gradFill rotWithShape="1">
+          <a:gsLst>
+            <a:gs pos="0">
+              <a:schemeClr val="phClr">
+                <a:lumMod val="110000"/>
+                <a:satMod val="105000"/>
+                <a:tint val="67000"/>
+              </a:schemeClr>
+            </a:gs>
+            <a:gs pos="50000">
+              <a:schemeClr val="phClr">
+                <a:lumMod val="105000"/>
+                <a:satMod val="103000"/>
+                <a:tint val="73000"/>
+              </a:schemeClr>
+            </a:gs>
+            <a:gs pos="100000">
+              <a:schemeClr val="phClr">
+                <a:lumMod val="105000"/>
+                <a:satMod val="109000"/>
+                <a:tint val="81000"/>
+              </a:schemeClr>
+            </a:gs>
+          </a:gsLst>
+          <a:lin ang="5400000" scaled="0"/>
+        </a:gradFill>
+        <a:gradFill rotWithShape="1">
+          <a:gsLst>
+            <a:gs pos="0">
+              <a:schemeClr val="phClr">
+                <a:satMod val="103000"/>
+                <a:lumMod val="102000"/>
+                <a:tint val="94000"/>
+              </a:schemeClr>
+            </a:gs>
+            <a:gs pos="50000">
+              <a:schemeClr val="phClr">
+                <a:satMod val="110000"/>
+                <a:lumMod val="100000"/>
+                <a:shade val="100000"/>
+              </a:schemeClr>
+            </a:gs>
+            <a:gs pos="100000">
+              <a:schemeClr val="phClr">
+                <a:lumMod val="99000"/>
+                <a:satMod val="120000"/>
+                <a:shade val="78000"/>
+              </a:schemeClr>
+            </a:gs>
+          </a:gsLst>
+          <a:lin ang="5400000" scaled="0"/>
+        </a:gradFill>
+      </a:fillStyleLst>
+      <a:lnStyleLst>
+        <a:ln w="6350" cap="flat" cmpd="sng" algn="ctr">
+          <a:solidFill>
+            <a:schemeClr val="phClr"/>
+          </a:solidFill>
+          <a:prstDash val="solid"/>
+          <a:miter lim="800000"/>
+        </a:ln>
+        <a:ln w="12700" cap="flat" cmpd="sng" algn="ctr">
+          <a:solidFill>
+            <a:schemeClr val="phClr"/>
+          </a:solidFill>
+          <a:prstDash val="solid"/>
+          <a:miter lim="800000"/>
+        </a:ln>
+        <a:ln w="19050" cap="flat" cmpd="sng" algn="ctr">
+          <a:solidFill>
+            <a:schemeClr val="phClr"/>
+          </a:solidFill>
+          <a:prstDash val="solid"/>
+          <a:miter lim="800000"/>
+        </a:ln>
+      </a:lnStyleLst>
+      <a:effectStyleLst>
+        <a:effectStyle>
+          <a:effectLst/>
+        </a:effectStyle>
+        <a:effectStyle>
+          <a:effectLst/>
+        </a:effectStyle>
+        <a:effectStyle>
+          <a:effectLst>
+            <a:outerShdw blurRad="57150" dist="19050" dir="5400000" algn="ctr" rotWithShape="0">
+              <a:srgbClr val="000000">
+                <a:alpha val="63000"/>
+              </a:srgbClr>
+            </a:outerShdw>
+          </a:effectLst>
+        </a:effectStyle>
+      </a:effectStyleLst>
+      <a:bgFillStyleLst>
+        <a:solidFill>
+          <a:schemeClr val="phClr"/>
+        </a:solidFill>
+        <a:solidFill>
+          <a:schemeClr val="phClr">
+            <a:tint val="95000"/>
+            <a:satMod val="170000"/>
+          </a:schemeClr>
+        </a:solidFill>
+        <a:gradFill rotWithShape="1">
+          <a:gsLst>
+            <a:gs pos="0">
+              <a:schemeClr val="phClr">
+                <a:tint val="93000"/>
+                <a:satMod val="150000"/>
+                <a:shade val="98000"/>
+                <a:lumMod val="102000"/>
+              </a:schemeClr>
+            </a:gs>
+            <a:gs pos="50000">
+              <a:schemeClr val="phClr">
+                <a:tint val="98000"/>
+                <a:satMod val="130000"/>
+                <a:shade val="90000"/>
+                <a:lumMod val="103000"/>
+              </a:schemeClr>
+            </a:gs>
+            <a:gs pos="100000">
+              <a:schemeClr val="phClr">
+                <a:shade val="63000"/>
+                <a:satMod val="120000"/>
+              </a:schemeClr>
+            </a:gs>
+          </a:gsLst>
+          <a:lin ang="5400000" scaled="0"/>
+        </a:gradFill>
+      </a:bgFillStyleLst>
+    </a:fmtScheme>
+  </a:themeElements>
+  <a:objectDefaults/>
+  <a:extraClrSchemeLst/>
+  <a:extLst>
+    <a:ext uri="{05A4C25C-085E-4340-85A3-A5531E510DB2}">
+      <thm15:themeFamily xmlns:thm15="http://schemas.microsoft.com/office/thememl/2012/main" name="Office Theme" id="{62F939B6-93AF-4DB8-9C6B-D6C7DFDC589F}" vid="{4A3C46E8-61CC-4603-A589-7422A47A8E4A}"/>
+    </a:ext>
+  </a:extLst>
+</a:theme>
 </file>
--- a/lectures/old/KR-6-Max.pptx
+++ b/lectures/old/KR-6-Max.pptx
@@ -5,7 +5,7 @@
     <p:sldMasterId id="2147483648" r:id="rId1"/>
   </p:sldMasterIdLst>
   <p:notesMasterIdLst>
-    <p:notesMasterId r:id="rId49"/>
+    <p:notesMasterId r:id="rId50"/>
   </p:notesMasterIdLst>
   <p:sldIdLst>
     <p:sldId id="256" r:id="rId2"/>
@@ -52,9 +52,10 @@
     <p:sldId id="329" r:id="rId43"/>
     <p:sldId id="328" r:id="rId44"/>
     <p:sldId id="331" r:id="rId45"/>
-    <p:sldId id="332" r:id="rId46"/>
-    <p:sldId id="284" r:id="rId47"/>
-    <p:sldId id="285" r:id="rId48"/>
+    <p:sldId id="333" r:id="rId46"/>
+    <p:sldId id="332" r:id="rId47"/>
+    <p:sldId id="284" r:id="rId48"/>
+    <p:sldId id="285" r:id="rId49"/>
   </p:sldIdLst>
   <p:sldSz cx="12192000" cy="6858000"/>
   <p:notesSz cx="6858000" cy="9144000"/>
@@ -47147,7 +47148,7 @@
           <a:p>
             <a:r>
               <a:rPr lang="en-US" dirty="0"/>
-              <a:t>A "Turing Machine Lite" </a:t>
+              <a:t>A highly simplified "Turing Machine" </a:t>
             </a:r>
             <a:r>
               <a:rPr lang="en-US" dirty="0">
@@ -47161,7 +47162,7 @@
               <a:rPr lang="en-US" dirty="0">
                 <a:sym typeface="Wingdings" pitchFamily="2" charset="2"/>
               </a:rPr>
-              <a:t>256 Characters of memory</a:t>
+              <a:t>256 Characters of "tape memory"</a:t>
             </a:r>
           </a:p>
           <a:p>
@@ -47338,6 +47339,759 @@
           <p:cNvPr id="2" name="Title 1">
             <a:extLst>
               <a:ext uri="{FF2B5EF4-FFF2-40B4-BE49-F238E27FC236}">
+                <a16:creationId xmlns:a16="http://schemas.microsoft.com/office/drawing/2014/main" id="{0B2DFEF0-C8E5-2F2C-98C0-3CE484732744}"/>
+              </a:ext>
+            </a:extLst>
+          </p:cNvPr>
+          <p:cNvSpPr>
+            <a:spLocks noGrp="1"/>
+          </p:cNvSpPr>
+          <p:nvPr>
+            <p:ph type="title"/>
+          </p:nvPr>
+        </p:nvSpPr>
+        <p:spPr/>
+        <p:txBody>
+          <a:bodyPr/>
+          <a:lstStyle/>
+          <a:p>
+            <a:r>
+              <a:rPr lang="en-US" dirty="0"/>
+              <a:t>Writing Programs with Bits</a:t>
+            </a:r>
+          </a:p>
+        </p:txBody>
+      </p:sp>
+      <p:sp>
+        <p:nvSpPr>
+          <p:cNvPr id="3" name="Content Placeholder 2">
+            <a:extLst>
+              <a:ext uri="{FF2B5EF4-FFF2-40B4-BE49-F238E27FC236}">
+                <a16:creationId xmlns:a16="http://schemas.microsoft.com/office/drawing/2014/main" id="{F0D013F3-EB74-1B54-1EFD-2420944633EF}"/>
+              </a:ext>
+            </a:extLst>
+          </p:cNvPr>
+          <p:cNvSpPr>
+            <a:spLocks noGrp="1"/>
+          </p:cNvSpPr>
+          <p:nvPr>
+            <p:ph idx="1"/>
+          </p:nvPr>
+        </p:nvSpPr>
+        <p:spPr>
+          <a:xfrm>
+            <a:off x="838200" y="1825625"/>
+            <a:ext cx="4682490" cy="4351338"/>
+          </a:xfrm>
+        </p:spPr>
+        <p:txBody>
+          <a:bodyPr/>
+          <a:lstStyle/>
+          <a:p>
+            <a:r>
+              <a:rPr lang="en-US" dirty="0"/>
+              <a:t>In the old days, we encoded programs on paper tape</a:t>
+            </a:r>
+          </a:p>
+        </p:txBody>
+      </p:sp>
+      <p:pic>
+        <p:nvPicPr>
+          <p:cNvPr id="5" name="Picture 4" descr="A picture of a paper tape reader">
+            <a:extLst>
+              <a:ext uri="{FF2B5EF4-FFF2-40B4-BE49-F238E27FC236}">
+                <a16:creationId xmlns:a16="http://schemas.microsoft.com/office/drawing/2014/main" id="{A45F08D1-F4FD-6857-726A-96D1B8FE1497}"/>
+              </a:ext>
+            </a:extLst>
+          </p:cNvPr>
+          <p:cNvPicPr>
+            <a:picLocks noChangeAspect="1"/>
+          </p:cNvPicPr>
+          <p:nvPr/>
+        </p:nvPicPr>
+        <p:blipFill rotWithShape="1">
+          <a:blip r:embed="rId2"/>
+          <a:srcRect t="25482" r="35771"/>
+          <a:stretch/>
+        </p:blipFill>
+        <p:spPr>
+          <a:xfrm>
+            <a:off x="8807116" y="681037"/>
+            <a:ext cx="2885391" cy="2231746"/>
+          </a:xfrm>
+          <a:prstGeom prst="rect">
+            <a:avLst/>
+          </a:prstGeom>
+        </p:spPr>
+      </p:pic>
+      <p:sp>
+        <p:nvSpPr>
+          <p:cNvPr id="9" name="TextBox 8">
+            <a:extLst>
+              <a:ext uri="{FF2B5EF4-FFF2-40B4-BE49-F238E27FC236}">
+                <a16:creationId xmlns:a16="http://schemas.microsoft.com/office/drawing/2014/main" id="{8DBE1BD9-6337-560C-65E3-D51B7374B97E}"/>
+              </a:ext>
+            </a:extLst>
+          </p:cNvPr>
+          <p:cNvSpPr txBox="1"/>
+          <p:nvPr/>
+        </p:nvSpPr>
+        <p:spPr>
+          <a:xfrm>
+            <a:off x="7795369" y="6124138"/>
+            <a:ext cx="6096000" cy="369332"/>
+          </a:xfrm>
+          <a:prstGeom prst="rect">
+            <a:avLst/>
+          </a:prstGeom>
+          <a:noFill/>
+        </p:spPr>
+        <p:txBody>
+          <a:bodyPr wrap="square">
+            <a:spAutoFit/>
+          </a:bodyPr>
+          <a:lstStyle/>
+          <a:p>
+            <a:r>
+              <a:rPr lang="en-US" dirty="0"/>
+              <a:t>https://</a:t>
+            </a:r>
+            <a:r>
+              <a:rPr lang="en-US" dirty="0" err="1"/>
+              <a:t>en.wikipedia.org</a:t>
+            </a:r>
+            <a:r>
+              <a:rPr lang="en-US" dirty="0"/>
+              <a:t>/wiki/</a:t>
+            </a:r>
+            <a:r>
+              <a:rPr lang="en-US" dirty="0" err="1"/>
+              <a:t>Punched_tape</a:t>
+            </a:r>
+            <a:endParaRPr lang="en-US" dirty="0"/>
+          </a:p>
+        </p:txBody>
+      </p:sp>
+      <p:pic>
+        <p:nvPicPr>
+          <p:cNvPr id="10" name="Picture 9" descr="A punched paper tape&#10;">
+            <a:extLst>
+              <a:ext uri="{FF2B5EF4-FFF2-40B4-BE49-F238E27FC236}">
+                <a16:creationId xmlns:a16="http://schemas.microsoft.com/office/drawing/2014/main" id="{BD49EA0C-A3ED-099F-F2C0-19E61772A847}"/>
+              </a:ext>
+            </a:extLst>
+          </p:cNvPr>
+          <p:cNvPicPr>
+            <a:picLocks noChangeAspect="1"/>
+          </p:cNvPicPr>
+          <p:nvPr/>
+        </p:nvPicPr>
+        <p:blipFill rotWithShape="1">
+          <a:blip r:embed="rId3"/>
+          <a:srcRect l="58067" t="37074" r="16512" b="29037"/>
+          <a:stretch/>
+        </p:blipFill>
+        <p:spPr>
+          <a:xfrm rot="5400000">
+            <a:off x="935515" y="3742340"/>
+            <a:ext cx="2550319" cy="2271707"/>
+          </a:xfrm>
+          <a:prstGeom prst="rect">
+            <a:avLst/>
+          </a:prstGeom>
+        </p:spPr>
+      </p:pic>
+      <p:sp>
+        <p:nvSpPr>
+          <p:cNvPr id="11" name="Rectangle 10">
+            <a:extLst>
+              <a:ext uri="{FF2B5EF4-FFF2-40B4-BE49-F238E27FC236}">
+                <a16:creationId xmlns:a16="http://schemas.microsoft.com/office/drawing/2014/main" id="{D08270B4-E9F2-2A2D-C02E-D4755B6E0840}"/>
+              </a:ext>
+            </a:extLst>
+          </p:cNvPr>
+          <p:cNvSpPr/>
+          <p:nvPr/>
+        </p:nvSpPr>
+        <p:spPr>
+          <a:xfrm>
+            <a:off x="3818372" y="4027320"/>
+            <a:ext cx="434845" cy="369333"/>
+          </a:xfrm>
+          <a:prstGeom prst="rect">
+            <a:avLst/>
+          </a:prstGeom>
+          <a:noFill/>
+        </p:spPr>
+        <p:style>
+          <a:lnRef idx="2">
+            <a:schemeClr val="accent1">
+              <a:shade val="50000"/>
+            </a:schemeClr>
+          </a:lnRef>
+          <a:fillRef idx="1">
+            <a:schemeClr val="accent1"/>
+          </a:fillRef>
+          <a:effectRef idx="0">
+            <a:schemeClr val="accent1"/>
+          </a:effectRef>
+          <a:fontRef idx="minor">
+            <a:schemeClr val="lt1"/>
+          </a:fontRef>
+        </p:style>
+        <p:txBody>
+          <a:bodyPr rtlCol="0" anchor="ctr"/>
+          <a:lstStyle/>
+          <a:p>
+            <a:pPr algn="ctr"/>
+            <a:r>
+              <a:rPr lang="en-US" dirty="0">
+                <a:solidFill>
+                  <a:schemeClr val="tx1"/>
+                </a:solidFill>
+              </a:rPr>
+              <a:t>0</a:t>
+            </a:r>
+          </a:p>
+        </p:txBody>
+      </p:sp>
+      <p:sp>
+        <p:nvSpPr>
+          <p:cNvPr id="12" name="Rectangle 11">
+            <a:extLst>
+              <a:ext uri="{FF2B5EF4-FFF2-40B4-BE49-F238E27FC236}">
+                <a16:creationId xmlns:a16="http://schemas.microsoft.com/office/drawing/2014/main" id="{5B127295-E999-F69B-21D1-97B320ACB76D}"/>
+              </a:ext>
+            </a:extLst>
+          </p:cNvPr>
+          <p:cNvSpPr/>
+          <p:nvPr/>
+        </p:nvSpPr>
+        <p:spPr>
+          <a:xfrm>
+            <a:off x="4253159" y="4027320"/>
+            <a:ext cx="434845" cy="369333"/>
+          </a:xfrm>
+          <a:prstGeom prst="rect">
+            <a:avLst/>
+          </a:prstGeom>
+          <a:noFill/>
+        </p:spPr>
+        <p:style>
+          <a:lnRef idx="2">
+            <a:schemeClr val="accent1">
+              <a:shade val="50000"/>
+            </a:schemeClr>
+          </a:lnRef>
+          <a:fillRef idx="1">
+            <a:schemeClr val="accent1"/>
+          </a:fillRef>
+          <a:effectRef idx="0">
+            <a:schemeClr val="accent1"/>
+          </a:effectRef>
+          <a:fontRef idx="minor">
+            <a:schemeClr val="lt1"/>
+          </a:fontRef>
+        </p:style>
+        <p:txBody>
+          <a:bodyPr rtlCol="0" anchor="ctr"/>
+          <a:lstStyle/>
+          <a:p>
+            <a:pPr algn="ctr"/>
+            <a:r>
+              <a:rPr lang="en-US" dirty="0">
+                <a:solidFill>
+                  <a:schemeClr val="tx1"/>
+                </a:solidFill>
+              </a:rPr>
+              <a:t>0</a:t>
+            </a:r>
+          </a:p>
+        </p:txBody>
+      </p:sp>
+      <p:sp>
+        <p:nvSpPr>
+          <p:cNvPr id="13" name="Rectangle 12">
+            <a:extLst>
+              <a:ext uri="{FF2B5EF4-FFF2-40B4-BE49-F238E27FC236}">
+                <a16:creationId xmlns:a16="http://schemas.microsoft.com/office/drawing/2014/main" id="{F3480F94-2BC8-8161-041E-D9D3DFF020CF}"/>
+              </a:ext>
+            </a:extLst>
+          </p:cNvPr>
+          <p:cNvSpPr/>
+          <p:nvPr/>
+        </p:nvSpPr>
+        <p:spPr>
+          <a:xfrm>
+            <a:off x="4688004" y="4027320"/>
+            <a:ext cx="434845" cy="369333"/>
+          </a:xfrm>
+          <a:prstGeom prst="rect">
+            <a:avLst/>
+          </a:prstGeom>
+          <a:noFill/>
+        </p:spPr>
+        <p:style>
+          <a:lnRef idx="2">
+            <a:schemeClr val="accent1">
+              <a:shade val="50000"/>
+            </a:schemeClr>
+          </a:lnRef>
+          <a:fillRef idx="1">
+            <a:schemeClr val="accent1"/>
+          </a:fillRef>
+          <a:effectRef idx="0">
+            <a:schemeClr val="accent1"/>
+          </a:effectRef>
+          <a:fontRef idx="minor">
+            <a:schemeClr val="lt1"/>
+          </a:fontRef>
+        </p:style>
+        <p:txBody>
+          <a:bodyPr rtlCol="0" anchor="ctr"/>
+          <a:lstStyle/>
+          <a:p>
+            <a:pPr algn="ctr"/>
+            <a:r>
+              <a:rPr lang="en-US" dirty="0">
+                <a:solidFill>
+                  <a:schemeClr val="tx1"/>
+                </a:solidFill>
+              </a:rPr>
+              <a:t>1</a:t>
+            </a:r>
+          </a:p>
+        </p:txBody>
+      </p:sp>
+      <p:sp>
+        <p:nvSpPr>
+          <p:cNvPr id="14" name="Rectangle 13">
+            <a:extLst>
+              <a:ext uri="{FF2B5EF4-FFF2-40B4-BE49-F238E27FC236}">
+                <a16:creationId xmlns:a16="http://schemas.microsoft.com/office/drawing/2014/main" id="{F3C4080D-3C18-85FC-F52E-7B761453DC02}"/>
+              </a:ext>
+            </a:extLst>
+          </p:cNvPr>
+          <p:cNvSpPr/>
+          <p:nvPr/>
+        </p:nvSpPr>
+        <p:spPr>
+          <a:xfrm>
+            <a:off x="5122791" y="4027320"/>
+            <a:ext cx="434845" cy="369333"/>
+          </a:xfrm>
+          <a:prstGeom prst="rect">
+            <a:avLst/>
+          </a:prstGeom>
+          <a:noFill/>
+        </p:spPr>
+        <p:style>
+          <a:lnRef idx="2">
+            <a:schemeClr val="accent1">
+              <a:shade val="50000"/>
+            </a:schemeClr>
+          </a:lnRef>
+          <a:fillRef idx="1">
+            <a:schemeClr val="accent1"/>
+          </a:fillRef>
+          <a:effectRef idx="0">
+            <a:schemeClr val="accent1"/>
+          </a:effectRef>
+          <a:fontRef idx="minor">
+            <a:schemeClr val="lt1"/>
+          </a:fontRef>
+        </p:style>
+        <p:txBody>
+          <a:bodyPr rtlCol="0" anchor="ctr"/>
+          <a:lstStyle/>
+          <a:p>
+            <a:pPr algn="ctr"/>
+            <a:r>
+              <a:rPr lang="en-US" dirty="0">
+                <a:solidFill>
+                  <a:schemeClr val="tx1"/>
+                </a:solidFill>
+              </a:rPr>
+              <a:t>0</a:t>
+            </a:r>
+          </a:p>
+        </p:txBody>
+      </p:sp>
+      <p:sp>
+        <p:nvSpPr>
+          <p:cNvPr id="15" name="Rectangle 14">
+            <a:extLst>
+              <a:ext uri="{FF2B5EF4-FFF2-40B4-BE49-F238E27FC236}">
+                <a16:creationId xmlns:a16="http://schemas.microsoft.com/office/drawing/2014/main" id="{22DEF1B8-F4E7-D84F-AA5E-F8211801E7BE}"/>
+              </a:ext>
+            </a:extLst>
+          </p:cNvPr>
+          <p:cNvSpPr/>
+          <p:nvPr/>
+        </p:nvSpPr>
+        <p:spPr>
+          <a:xfrm>
+            <a:off x="5557689" y="4027320"/>
+            <a:ext cx="434845" cy="369333"/>
+          </a:xfrm>
+          <a:prstGeom prst="rect">
+            <a:avLst/>
+          </a:prstGeom>
+          <a:noFill/>
+        </p:spPr>
+        <p:style>
+          <a:lnRef idx="2">
+            <a:schemeClr val="accent1">
+              <a:shade val="50000"/>
+            </a:schemeClr>
+          </a:lnRef>
+          <a:fillRef idx="1">
+            <a:schemeClr val="accent1"/>
+          </a:fillRef>
+          <a:effectRef idx="0">
+            <a:schemeClr val="accent1"/>
+          </a:effectRef>
+          <a:fontRef idx="minor">
+            <a:schemeClr val="lt1"/>
+          </a:fontRef>
+        </p:style>
+        <p:txBody>
+          <a:bodyPr rtlCol="0" anchor="ctr"/>
+          <a:lstStyle/>
+          <a:p>
+            <a:pPr algn="ctr"/>
+            <a:r>
+              <a:rPr lang="en-US" dirty="0">
+                <a:solidFill>
+                  <a:schemeClr val="tx1"/>
+                </a:solidFill>
+              </a:rPr>
+              <a:t>1</a:t>
+            </a:r>
+          </a:p>
+        </p:txBody>
+      </p:sp>
+      <p:sp>
+        <p:nvSpPr>
+          <p:cNvPr id="16" name="Rectangle 15">
+            <a:extLst>
+              <a:ext uri="{FF2B5EF4-FFF2-40B4-BE49-F238E27FC236}">
+                <a16:creationId xmlns:a16="http://schemas.microsoft.com/office/drawing/2014/main" id="{9C7E4C44-4BF5-EBD4-6702-C31A30D1FF18}"/>
+              </a:ext>
+            </a:extLst>
+          </p:cNvPr>
+          <p:cNvSpPr/>
+          <p:nvPr/>
+        </p:nvSpPr>
+        <p:spPr>
+          <a:xfrm>
+            <a:off x="5992476" y="4027320"/>
+            <a:ext cx="434845" cy="369333"/>
+          </a:xfrm>
+          <a:prstGeom prst="rect">
+            <a:avLst/>
+          </a:prstGeom>
+          <a:noFill/>
+        </p:spPr>
+        <p:style>
+          <a:lnRef idx="2">
+            <a:schemeClr val="accent1">
+              <a:shade val="50000"/>
+            </a:schemeClr>
+          </a:lnRef>
+          <a:fillRef idx="1">
+            <a:schemeClr val="accent1"/>
+          </a:fillRef>
+          <a:effectRef idx="0">
+            <a:schemeClr val="accent1"/>
+          </a:effectRef>
+          <a:fontRef idx="minor">
+            <a:schemeClr val="lt1"/>
+          </a:fontRef>
+        </p:style>
+        <p:txBody>
+          <a:bodyPr rtlCol="0" anchor="ctr"/>
+          <a:lstStyle/>
+          <a:p>
+            <a:pPr algn="ctr"/>
+            <a:r>
+              <a:rPr lang="en-US" dirty="0">
+                <a:solidFill>
+                  <a:schemeClr val="tx1"/>
+                </a:solidFill>
+              </a:rPr>
+              <a:t>1</a:t>
+            </a:r>
+          </a:p>
+        </p:txBody>
+      </p:sp>
+      <p:sp>
+        <p:nvSpPr>
+          <p:cNvPr id="17" name="Rectangle 16">
+            <a:extLst>
+              <a:ext uri="{FF2B5EF4-FFF2-40B4-BE49-F238E27FC236}">
+                <a16:creationId xmlns:a16="http://schemas.microsoft.com/office/drawing/2014/main" id="{E80DFE1A-0704-C20A-4000-0CD15EC0AB9F}"/>
+              </a:ext>
+            </a:extLst>
+          </p:cNvPr>
+          <p:cNvSpPr/>
+          <p:nvPr/>
+        </p:nvSpPr>
+        <p:spPr>
+          <a:xfrm>
+            <a:off x="6427321" y="4027320"/>
+            <a:ext cx="434845" cy="369333"/>
+          </a:xfrm>
+          <a:prstGeom prst="rect">
+            <a:avLst/>
+          </a:prstGeom>
+          <a:noFill/>
+        </p:spPr>
+        <p:style>
+          <a:lnRef idx="2">
+            <a:schemeClr val="accent1">
+              <a:shade val="50000"/>
+            </a:schemeClr>
+          </a:lnRef>
+          <a:fillRef idx="1">
+            <a:schemeClr val="accent1"/>
+          </a:fillRef>
+          <a:effectRef idx="0">
+            <a:schemeClr val="accent1"/>
+          </a:effectRef>
+          <a:fontRef idx="minor">
+            <a:schemeClr val="lt1"/>
+          </a:fontRef>
+        </p:style>
+        <p:txBody>
+          <a:bodyPr rtlCol="0" anchor="ctr"/>
+          <a:lstStyle/>
+          <a:p>
+            <a:pPr algn="ctr"/>
+            <a:r>
+              <a:rPr lang="en-US" dirty="0">
+                <a:solidFill>
+                  <a:schemeClr val="tx1"/>
+                </a:solidFill>
+              </a:rPr>
+              <a:t>1</a:t>
+            </a:r>
+          </a:p>
+        </p:txBody>
+      </p:sp>
+      <p:sp>
+        <p:nvSpPr>
+          <p:cNvPr id="18" name="Rectangle 17">
+            <a:extLst>
+              <a:ext uri="{FF2B5EF4-FFF2-40B4-BE49-F238E27FC236}">
+                <a16:creationId xmlns:a16="http://schemas.microsoft.com/office/drawing/2014/main" id="{C2AD5BF4-0C85-C54B-6636-012EDBCD545E}"/>
+              </a:ext>
+            </a:extLst>
+          </p:cNvPr>
+          <p:cNvSpPr/>
+          <p:nvPr/>
+        </p:nvSpPr>
+        <p:spPr>
+          <a:xfrm>
+            <a:off x="6862108" y="4027320"/>
+            <a:ext cx="434845" cy="369333"/>
+          </a:xfrm>
+          <a:prstGeom prst="rect">
+            <a:avLst/>
+          </a:prstGeom>
+          <a:noFill/>
+        </p:spPr>
+        <p:style>
+          <a:lnRef idx="2">
+            <a:schemeClr val="accent1">
+              <a:shade val="50000"/>
+            </a:schemeClr>
+          </a:lnRef>
+          <a:fillRef idx="1">
+            <a:schemeClr val="accent1"/>
+          </a:fillRef>
+          <a:effectRef idx="0">
+            <a:schemeClr val="accent1"/>
+          </a:effectRef>
+          <a:fontRef idx="minor">
+            <a:schemeClr val="lt1"/>
+          </a:fontRef>
+        </p:style>
+        <p:txBody>
+          <a:bodyPr rtlCol="0" anchor="ctr"/>
+          <a:lstStyle/>
+          <a:p>
+            <a:pPr algn="ctr"/>
+            <a:r>
+              <a:rPr lang="en-US" dirty="0">
+                <a:solidFill>
+                  <a:schemeClr val="tx1"/>
+                </a:solidFill>
+              </a:rPr>
+              <a:t>0</a:t>
+            </a:r>
+          </a:p>
+        </p:txBody>
+      </p:sp>
+      <p:sp>
+        <p:nvSpPr>
+          <p:cNvPr id="20" name="TextBox 19">
+            <a:extLst>
+              <a:ext uri="{FF2B5EF4-FFF2-40B4-BE49-F238E27FC236}">
+                <a16:creationId xmlns:a16="http://schemas.microsoft.com/office/drawing/2014/main" id="{A90A5E1C-AE97-D596-5E04-7AF6CF7E244E}"/>
+              </a:ext>
+            </a:extLst>
+          </p:cNvPr>
+          <p:cNvSpPr txBox="1"/>
+          <p:nvPr/>
+        </p:nvSpPr>
+        <p:spPr>
+          <a:xfrm>
+            <a:off x="4553683" y="4531590"/>
+            <a:ext cx="1573059" cy="1077218"/>
+          </a:xfrm>
+          <a:prstGeom prst="rect">
+            <a:avLst/>
+          </a:prstGeom>
+          <a:noFill/>
+        </p:spPr>
+        <p:txBody>
+          <a:bodyPr wrap="none" rtlCol="0">
+            <a:spAutoFit/>
+          </a:bodyPr>
+          <a:lstStyle/>
+          <a:p>
+            <a:pPr algn="ctr"/>
+            <a:r>
+              <a:rPr lang="en-US" sz="2800" dirty="0"/>
+              <a:t>Hex: 2E</a:t>
+            </a:r>
+          </a:p>
+          <a:p>
+            <a:pPr algn="ctr"/>
+            <a:endParaRPr lang="en-US" dirty="0"/>
+          </a:p>
+          <a:p>
+            <a:pPr algn="ctr"/>
+            <a:r>
+              <a:rPr lang="en-US" dirty="0"/>
+              <a:t>ASCII Period (.)</a:t>
+            </a:r>
+          </a:p>
+        </p:txBody>
+      </p:sp>
+      <p:sp>
+        <p:nvSpPr>
+          <p:cNvPr id="21" name="Rectangle 20">
+            <a:extLst>
+              <a:ext uri="{FF2B5EF4-FFF2-40B4-BE49-F238E27FC236}">
+                <a16:creationId xmlns:a16="http://schemas.microsoft.com/office/drawing/2014/main" id="{D15CB2B7-0F9D-47DA-B02E-9238B62070F7}"/>
+              </a:ext>
+            </a:extLst>
+          </p:cNvPr>
+          <p:cNvSpPr/>
+          <p:nvPr/>
+        </p:nvSpPr>
+        <p:spPr>
+          <a:xfrm>
+            <a:off x="1110273" y="4099209"/>
+            <a:ext cx="2236255" cy="169109"/>
+          </a:xfrm>
+          <a:prstGeom prst="rect">
+            <a:avLst/>
+          </a:prstGeom>
+          <a:noFill/>
+        </p:spPr>
+        <p:style>
+          <a:lnRef idx="2">
+            <a:schemeClr val="accent1">
+              <a:shade val="50000"/>
+            </a:schemeClr>
+          </a:lnRef>
+          <a:fillRef idx="1">
+            <a:schemeClr val="accent1"/>
+          </a:fillRef>
+          <a:effectRef idx="0">
+            <a:schemeClr val="accent1"/>
+          </a:effectRef>
+          <a:fontRef idx="minor">
+            <a:schemeClr val="lt1"/>
+          </a:fontRef>
+        </p:style>
+        <p:txBody>
+          <a:bodyPr rtlCol="0" anchor="ctr"/>
+          <a:lstStyle/>
+          <a:p>
+            <a:pPr algn="ctr"/>
+            <a:endParaRPr lang="en-US"/>
+          </a:p>
+        </p:txBody>
+      </p:sp>
+      <p:pic>
+        <p:nvPicPr>
+          <p:cNvPr id="31" name="Picture 30" descr="A picture with two punched paper tapes, one yellow and one pink">
+            <a:extLst>
+              <a:ext uri="{FF2B5EF4-FFF2-40B4-BE49-F238E27FC236}">
+                <a16:creationId xmlns:a16="http://schemas.microsoft.com/office/drawing/2014/main" id="{018F93DB-D98D-E065-7A95-355F9A7C6081}"/>
+              </a:ext>
+            </a:extLst>
+          </p:cNvPr>
+          <p:cNvPicPr>
+            <a:picLocks noChangeAspect="1"/>
+          </p:cNvPicPr>
+          <p:nvPr/>
+        </p:nvPicPr>
+        <p:blipFill>
+          <a:blip r:embed="rId3"/>
+          <a:stretch>
+            <a:fillRect/>
+          </a:stretch>
+        </p:blipFill>
+        <p:spPr>
+          <a:xfrm>
+            <a:off x="8390021" y="3411676"/>
+            <a:ext cx="3302486" cy="2206766"/>
+          </a:xfrm>
+          <a:prstGeom prst="rect">
+            <a:avLst/>
+          </a:prstGeom>
+        </p:spPr>
+      </p:pic>
+    </p:spTree>
+    <p:extLst>
+      <p:ext uri="{BB962C8B-B14F-4D97-AF65-F5344CB8AC3E}">
+        <p14:creationId xmlns:p14="http://schemas.microsoft.com/office/powerpoint/2010/main" val="3012600075"/>
+      </p:ext>
+    </p:extLst>
+  </p:cSld>
+  <p:clrMapOvr>
+    <a:masterClrMapping/>
+  </p:clrMapOvr>
+</p:sld>
+</file>
+
+<file path=ppt/slides/slide46.xml><?xml version="1.0" encoding="utf-8"?>
+<p:sld xmlns:a="http://schemas.openxmlformats.org/drawingml/2006/main" xmlns:r="http://schemas.openxmlformats.org/officeDocument/2006/relationships" xmlns:p="http://schemas.openxmlformats.org/presentationml/2006/main">
+  <p:cSld>
+    <p:spTree>
+      <p:nvGrpSpPr>
+        <p:cNvPr id="1" name=""/>
+        <p:cNvGrpSpPr/>
+        <p:nvPr/>
+      </p:nvGrpSpPr>
+      <p:grpSpPr>
+        <a:xfrm>
+          <a:off x="0" y="0"/>
+          <a:ext cx="0" cy="0"/>
+          <a:chOff x="0" y="0"/>
+          <a:chExt cx="0" cy="0"/>
+        </a:xfrm>
+      </p:grpSpPr>
+      <p:sp>
+        <p:nvSpPr>
+          <p:cNvPr id="2" name="Title 1">
+            <a:extLst>
+              <a:ext uri="{FF2B5EF4-FFF2-40B4-BE49-F238E27FC236}">
                 <a16:creationId xmlns:a16="http://schemas.microsoft.com/office/drawing/2014/main" id="{B9B4CE40-7A8B-6F3A-0A5D-85640AB38259}"/>
               </a:ext>
             </a:extLst>
@@ -48880,7 +49634,7 @@
 </p:sld>
 </file>
 
-<file path=ppt/slides/slide46.xml><?xml version="1.0" encoding="utf-8"?>
+<file path=ppt/slides/slide47.xml><?xml version="1.0" encoding="utf-8"?>
 <p:sld xmlns:a="http://schemas.openxmlformats.org/drawingml/2006/main" xmlns:r="http://schemas.openxmlformats.org/officeDocument/2006/relationships" xmlns:p="http://schemas.openxmlformats.org/presentationml/2006/main">
   <p:cSld>
     <p:bg>
@@ -49559,7 +50313,7 @@
 </p:sld>
 </file>
 
-<file path=ppt/slides/slide47.xml><?xml version="1.0" encoding="utf-8"?>
+<file path=ppt/slides/slide48.xml><?xml version="1.0" encoding="utf-8"?>
 <p:sld xmlns:a="http://schemas.openxmlformats.org/drawingml/2006/main" xmlns:r="http://schemas.openxmlformats.org/officeDocument/2006/relationships" xmlns:p="http://schemas.openxmlformats.org/presentationml/2006/main">
   <p:cSld>
     <p:spTree>
